--- a/content/Azure Fundamentals/1. Understand cloud concepts/1. Describe the benefits and considerations of using cloud services.pptx
+++ b/content/Azure Fundamentals/1. Understand cloud concepts/1. Describe the benefits and considerations of using cloud services.pptx
@@ -7,6 +7,7 @@
   <p:sldIdLst>
     <p:sldId id="256" r:id="rId2"/>
     <p:sldId id="257" r:id="rId3"/>
+    <p:sldId id="258" r:id="rId4"/>
   </p:sldIdLst>
   <p:sldSz cx="12192000" cy="6858000"/>
   <p:notesSz cx="6858000" cy="9144000"/>
@@ -105,6 +106,11 @@
       </a:defRPr>
     </a:lvl9pPr>
   </p:defaultTextStyle>
+  <p:extLst>
+    <p:ext uri="{EFAFB233-063F-42B5-8137-9DF3F51BA10A}">
+      <p15:sldGuideLst xmlns:p15="http://schemas.microsoft.com/office/powerpoint/2012/main"/>
+    </p:ext>
+  </p:extLst>
 </p:presentation>
 </file>
 
@@ -3391,17 +3397,19 @@
         </p:nvSpPr>
         <p:spPr>
           <a:xfrm>
-            <a:off x="1524000" y="3428999"/>
+            <a:off x="1524000" y="3928119"/>
             <a:ext cx="9144000" cy="926663"/>
           </a:xfrm>
         </p:spPr>
         <p:txBody>
-          <a:bodyPr/>
+          <a:bodyPr>
+            <a:normAutofit fontScale="90000"/>
+          </a:bodyPr>
           <a:lstStyle/>
           <a:p>
             <a:r>
               <a:rPr lang="en-US" dirty="0"/>
-              <a:t>Session title</a:t>
+              <a:t>The Benefits and considerations of using cloud services</a:t>
             </a:r>
           </a:p>
         </p:txBody>
@@ -3432,22 +3440,18 @@
           <a:bodyPr/>
           <a:lstStyle/>
           <a:p>
-            <a:r>
-              <a:rPr lang="en-US"/>
-              <a:t>Subtitle</a:t>
-            </a:r>
             <a:endParaRPr lang="en-US" dirty="0"/>
           </a:p>
           <a:p>
             <a:r>
               <a:rPr lang="en-US" dirty="0"/>
-              <a:t>Speaker Name(s)</a:t>
+              <a:t>Nicolas Blank</a:t>
             </a:r>
           </a:p>
           <a:p>
             <a:r>
               <a:rPr lang="en-US" dirty="0"/>
-              <a:t>Speaker Details(s)</a:t>
+              <a:t>Alistair Pugin</a:t>
             </a:r>
           </a:p>
         </p:txBody>
@@ -3533,32 +3537,79 @@
           <a:bodyPr/>
           <a:lstStyle/>
           <a:p>
+            <a:r>
+              <a:rPr lang="en-US" dirty="0"/>
+              <a:t>Agenda</a:t>
+            </a:r>
+          </a:p>
+        </p:txBody>
+      </p:sp>
+      <p:sp>
+        <p:nvSpPr>
+          <p:cNvPr id="7" name="Content Placeholder 6">
+            <a:extLst>
+              <a:ext uri="{FF2B5EF4-FFF2-40B4-BE49-F238E27FC236}">
+                <a16:creationId xmlns:a16="http://schemas.microsoft.com/office/drawing/2014/main" id="{4569ABAD-DD5D-7D4F-A8B1-3BA2F069EA82}"/>
+              </a:ext>
+            </a:extLst>
+          </p:cNvPr>
+          <p:cNvSpPr>
+            <a:spLocks noGrp="1"/>
+          </p:cNvSpPr>
+          <p:nvPr>
+            <p:ph idx="1"/>
+          </p:nvPr>
+        </p:nvSpPr>
+        <p:spPr/>
+        <p:txBody>
+          <a:bodyPr/>
+          <a:lstStyle/>
+          <a:p>
+            <a:pPr fontAlgn="base"/>
+            <a:r>
+              <a:rPr lang="en-ZA" dirty="0"/>
+              <a:t>Define : High Availability, Scalability, Elasticity, Agility, Fault Tolerance, and Disaster Recovery</a:t>
+            </a:r>
+          </a:p>
+          <a:p>
+            <a:pPr fontAlgn="base"/>
+            <a:r>
+              <a:rPr lang="en-ZA" dirty="0"/>
+              <a:t>understand the principles of economies of scale</a:t>
+            </a:r>
+          </a:p>
+          <a:p>
+            <a:pPr fontAlgn="base"/>
+            <a:r>
+              <a:rPr lang="en-ZA" dirty="0"/>
+              <a:t>Capital Expenditure (</a:t>
+            </a:r>
+            <a:r>
+              <a:rPr lang="en-ZA" dirty="0" err="1"/>
+              <a:t>CapEx</a:t>
+            </a:r>
+            <a:r>
+              <a:rPr lang="en-ZA" dirty="0"/>
+              <a:t>) vs Operational Expenditure (</a:t>
+            </a:r>
+            <a:r>
+              <a:rPr lang="en-ZA" dirty="0" err="1"/>
+              <a:t>OpEx</a:t>
+            </a:r>
+            <a:r>
+              <a:rPr lang="en-ZA" dirty="0"/>
+              <a:t>)</a:t>
+            </a:r>
+          </a:p>
+          <a:p>
+            <a:pPr fontAlgn="base"/>
+            <a:r>
+              <a:rPr lang="en-ZA" dirty="0"/>
+              <a:t>understand the consumption-based model</a:t>
+            </a:r>
+          </a:p>
+          <a:p>
             <a:endParaRPr lang="en-US" dirty="0"/>
-          </a:p>
-        </p:txBody>
-      </p:sp>
-      <p:sp>
-        <p:nvSpPr>
-          <p:cNvPr id="7" name="Content Placeholder 6">
-            <a:extLst>
-              <a:ext uri="{FF2B5EF4-FFF2-40B4-BE49-F238E27FC236}">
-                <a16:creationId xmlns:a16="http://schemas.microsoft.com/office/drawing/2014/main" id="{4569ABAD-DD5D-7D4F-A8B1-3BA2F069EA82}"/>
-              </a:ext>
-            </a:extLst>
-          </p:cNvPr>
-          <p:cNvSpPr>
-            <a:spLocks noGrp="1"/>
-          </p:cNvSpPr>
-          <p:nvPr>
-            <p:ph idx="1"/>
-          </p:nvPr>
-        </p:nvSpPr>
-        <p:spPr/>
-        <p:txBody>
-          <a:bodyPr/>
-          <a:lstStyle/>
-          <a:p>
-            <a:endParaRPr lang="en-US"/>
           </a:p>
         </p:txBody>
       </p:sp>
@@ -3566,6 +3617,86 @@
     <p:extLst>
       <p:ext uri="{BB962C8B-B14F-4D97-AF65-F5344CB8AC3E}">
         <p14:creationId xmlns:p14="http://schemas.microsoft.com/office/powerpoint/2010/main" val="3737736050"/>
+      </p:ext>
+    </p:extLst>
+  </p:cSld>
+  <p:clrMapOvr>
+    <a:masterClrMapping/>
+  </p:clrMapOvr>
+</p:sld>
+</file>
+
+<file path=ppt/slides/slide3.xml><?xml version="1.0" encoding="utf-8"?>
+<p:sld xmlns:a="http://schemas.openxmlformats.org/drawingml/2006/main" xmlns:r="http://schemas.openxmlformats.org/officeDocument/2006/relationships" xmlns:p="http://schemas.openxmlformats.org/presentationml/2006/main">
+  <p:cSld>
+    <p:spTree>
+      <p:nvGrpSpPr>
+        <p:cNvPr id="1" name=""/>
+        <p:cNvGrpSpPr/>
+        <p:nvPr/>
+      </p:nvGrpSpPr>
+      <p:grpSpPr>
+        <a:xfrm>
+          <a:off x="0" y="0"/>
+          <a:ext cx="0" cy="0"/>
+          <a:chOff x="0" y="0"/>
+          <a:chExt cx="0" cy="0"/>
+        </a:xfrm>
+      </p:grpSpPr>
+      <p:sp>
+        <p:nvSpPr>
+          <p:cNvPr id="2" name="Title 1">
+            <a:extLst>
+              <a:ext uri="{FF2B5EF4-FFF2-40B4-BE49-F238E27FC236}">
+                <a16:creationId xmlns:a16="http://schemas.microsoft.com/office/drawing/2014/main" id="{49D51F36-0A60-4142-BA8A-017364B933D6}"/>
+              </a:ext>
+            </a:extLst>
+          </p:cNvPr>
+          <p:cNvSpPr>
+            <a:spLocks noGrp="1"/>
+          </p:cNvSpPr>
+          <p:nvPr>
+            <p:ph type="title"/>
+          </p:nvPr>
+        </p:nvSpPr>
+        <p:spPr/>
+        <p:txBody>
+          <a:bodyPr/>
+          <a:lstStyle/>
+          <a:p>
+            <a:endParaRPr lang="en-US" dirty="0"/>
+          </a:p>
+        </p:txBody>
+      </p:sp>
+      <p:sp>
+        <p:nvSpPr>
+          <p:cNvPr id="3" name="Content Placeholder 2">
+            <a:extLst>
+              <a:ext uri="{FF2B5EF4-FFF2-40B4-BE49-F238E27FC236}">
+                <a16:creationId xmlns:a16="http://schemas.microsoft.com/office/drawing/2014/main" id="{2D8759BD-D087-274A-A1A0-FD0F97DCE770}"/>
+              </a:ext>
+            </a:extLst>
+          </p:cNvPr>
+          <p:cNvSpPr>
+            <a:spLocks noGrp="1"/>
+          </p:cNvSpPr>
+          <p:nvPr>
+            <p:ph idx="1"/>
+          </p:nvPr>
+        </p:nvSpPr>
+        <p:spPr/>
+        <p:txBody>
+          <a:bodyPr/>
+          <a:lstStyle/>
+          <a:p>
+            <a:endParaRPr lang="en-US" dirty="0"/>
+          </a:p>
+        </p:txBody>
+      </p:sp>
+    </p:spTree>
+    <p:extLst>
+      <p:ext uri="{BB962C8B-B14F-4D97-AF65-F5344CB8AC3E}">
+        <p14:creationId xmlns:p14="http://schemas.microsoft.com/office/powerpoint/2010/main" val="260978856"/>
       </p:ext>
     </p:extLst>
   </p:cSld>
